--- a/Week12/week12 Image and CNN.pptx
+++ b/Week12/week12 Image and CNN.pptx
@@ -273,7 +273,7 @@
           <a:p>
             <a:fld id="{D9D2A4DD-E6C5-4446-8814-DDCEAB64F4E0}" type="datetimeFigureOut">
               <a:rPr lang="ko-KR" altLang="en-US" smtClean="0"/>
-              <a:t>2023-01-03</a:t>
+              <a:t>2023-05-22</a:t>
             </a:fld>
             <a:endParaRPr lang="ko-KR" altLang="en-US"/>
           </a:p>
@@ -438,7 +438,7 @@
           <a:p>
             <a:fld id="{BF4D36B7-6BC9-4358-A9C9-63F4AFA82B46}" type="datetimeFigureOut">
               <a:rPr lang="ko-KR" altLang="en-US" smtClean="0"/>
-              <a:t>2023-01-03</a:t>
+              <a:t>2023-05-22</a:t>
             </a:fld>
             <a:endParaRPr lang="ko-KR" altLang="en-US"/>
           </a:p>
@@ -5036,7 +5036,7 @@
           <a:p>
             <a:fld id="{178ADFAC-D890-497A-A497-2A400DD02E74}" type="datetimeFigureOut">
               <a:rPr lang="ko-KR" altLang="en-US" smtClean="0"/>
-              <a:t>2023-01-03</a:t>
+              <a:t>2023-05-22</a:t>
             </a:fld>
             <a:endParaRPr lang="ko-KR" altLang="en-US"/>
           </a:p>
@@ -5206,7 +5206,7 @@
           <a:p>
             <a:fld id="{178ADFAC-D890-497A-A497-2A400DD02E74}" type="datetimeFigureOut">
               <a:rPr lang="ko-KR" altLang="en-US" smtClean="0"/>
-              <a:t>2023-01-03</a:t>
+              <a:t>2023-05-22</a:t>
             </a:fld>
             <a:endParaRPr lang="ko-KR" altLang="en-US"/>
           </a:p>
@@ -5386,7 +5386,7 @@
           <a:p>
             <a:fld id="{178ADFAC-D890-497A-A497-2A400DD02E74}" type="datetimeFigureOut">
               <a:rPr lang="ko-KR" altLang="en-US" smtClean="0"/>
-              <a:t>2023-01-03</a:t>
+              <a:t>2023-05-22</a:t>
             </a:fld>
             <a:endParaRPr lang="ko-KR" altLang="en-US"/>
           </a:p>
@@ -5556,7 +5556,7 @@
           <a:p>
             <a:fld id="{178ADFAC-D890-497A-A497-2A400DD02E74}" type="datetimeFigureOut">
               <a:rPr lang="ko-KR" altLang="en-US" smtClean="0"/>
-              <a:t>2023-01-03</a:t>
+              <a:t>2023-05-22</a:t>
             </a:fld>
             <a:endParaRPr lang="ko-KR" altLang="en-US"/>
           </a:p>
@@ -5800,7 +5800,7 @@
           <a:p>
             <a:fld id="{178ADFAC-D890-497A-A497-2A400DD02E74}" type="datetimeFigureOut">
               <a:rPr lang="ko-KR" altLang="en-US" smtClean="0"/>
-              <a:t>2023-01-03</a:t>
+              <a:t>2023-05-22</a:t>
             </a:fld>
             <a:endParaRPr lang="ko-KR" altLang="en-US"/>
           </a:p>
@@ -6032,7 +6032,7 @@
           <a:p>
             <a:fld id="{178ADFAC-D890-497A-A497-2A400DD02E74}" type="datetimeFigureOut">
               <a:rPr lang="ko-KR" altLang="en-US" smtClean="0"/>
-              <a:t>2023-01-03</a:t>
+              <a:t>2023-05-22</a:t>
             </a:fld>
             <a:endParaRPr lang="ko-KR" altLang="en-US"/>
           </a:p>
@@ -6399,7 +6399,7 @@
           <a:p>
             <a:fld id="{178ADFAC-D890-497A-A497-2A400DD02E74}" type="datetimeFigureOut">
               <a:rPr lang="ko-KR" altLang="en-US" smtClean="0"/>
-              <a:t>2023-01-03</a:t>
+              <a:t>2023-05-22</a:t>
             </a:fld>
             <a:endParaRPr lang="ko-KR" altLang="en-US"/>
           </a:p>
@@ -6517,7 +6517,7 @@
           <a:p>
             <a:fld id="{178ADFAC-D890-497A-A497-2A400DD02E74}" type="datetimeFigureOut">
               <a:rPr lang="ko-KR" altLang="en-US" smtClean="0"/>
-              <a:t>2023-01-03</a:t>
+              <a:t>2023-05-22</a:t>
             </a:fld>
             <a:endParaRPr lang="ko-KR" altLang="en-US"/>
           </a:p>
@@ -6612,7 +6612,7 @@
           <a:p>
             <a:fld id="{178ADFAC-D890-497A-A497-2A400DD02E74}" type="datetimeFigureOut">
               <a:rPr lang="ko-KR" altLang="en-US" smtClean="0"/>
-              <a:t>2023-01-03</a:t>
+              <a:t>2023-05-22</a:t>
             </a:fld>
             <a:endParaRPr lang="ko-KR" altLang="en-US"/>
           </a:p>
@@ -6889,7 +6889,7 @@
           <a:p>
             <a:fld id="{178ADFAC-D890-497A-A497-2A400DD02E74}" type="datetimeFigureOut">
               <a:rPr lang="ko-KR" altLang="en-US" smtClean="0"/>
-              <a:t>2023-01-03</a:t>
+              <a:t>2023-05-22</a:t>
             </a:fld>
             <a:endParaRPr lang="ko-KR" altLang="en-US"/>
           </a:p>
@@ -7146,7 +7146,7 @@
           <a:p>
             <a:fld id="{178ADFAC-D890-497A-A497-2A400DD02E74}" type="datetimeFigureOut">
               <a:rPr lang="ko-KR" altLang="en-US" smtClean="0"/>
-              <a:t>2023-01-03</a:t>
+              <a:t>2023-05-22</a:t>
             </a:fld>
             <a:endParaRPr lang="ko-KR" altLang="en-US"/>
           </a:p>
@@ -7359,7 +7359,7 @@
           <a:p>
             <a:fld id="{178ADFAC-D890-497A-A497-2A400DD02E74}" type="datetimeFigureOut">
               <a:rPr lang="ko-KR" altLang="en-US" smtClean="0"/>
-              <a:t>2023-01-03</a:t>
+              <a:t>2023-05-22</a:t>
             </a:fld>
             <a:endParaRPr lang="ko-KR" altLang="en-US"/>
           </a:p>
@@ -16984,85 +16984,6 @@
           </a:p>
         </p:txBody>
       </p:sp>
-      <p:sp>
-        <p:nvSpPr>
-          <p:cNvPr id="10" name="TextBox 9">
-            <a:extLst>
-              <a:ext uri="{FF2B5EF4-FFF2-40B4-BE49-F238E27FC236}">
-                <a16:creationId xmlns:a16="http://schemas.microsoft.com/office/drawing/2014/main" id="{0817E0D3-8915-D44F-8D88-C73C05F2FE22}"/>
-              </a:ext>
-            </a:extLst>
-          </p:cNvPr>
-          <p:cNvSpPr txBox="1"/>
-          <p:nvPr/>
-        </p:nvSpPr>
-        <p:spPr>
-          <a:xfrm>
-            <a:off x="2055756" y="4233348"/>
-            <a:ext cx="4853940" cy="923330"/>
-          </a:xfrm>
-          <a:prstGeom prst="rect">
-            <a:avLst/>
-          </a:prstGeom>
-          <a:noFill/>
-        </p:spPr>
-        <p:txBody>
-          <a:bodyPr wrap="square">
-            <a:spAutoFit/>
-          </a:bodyPr>
-          <a:lstStyle/>
-          <a:p>
-            <a:r>
-              <a:rPr lang="en-US" altLang="ko-KR" dirty="0">
-                <a:hlinkClick r:id="rId4"/>
-              </a:rPr>
-              <a:t>https://colab.research.google.com/github/JunetaeKim/DeepLearningClass/blob/main/Week12/ImageDNNSolution.ipynb</a:t>
-            </a:r>
-            <a:endParaRPr lang="ko-KR" altLang="en-US" dirty="0"/>
-          </a:p>
-        </p:txBody>
-      </p:sp>
-      <p:sp>
-        <p:nvSpPr>
-          <p:cNvPr id="25" name="TextBox 24">
-            <a:extLst>
-              <a:ext uri="{FF2B5EF4-FFF2-40B4-BE49-F238E27FC236}">
-                <a16:creationId xmlns:a16="http://schemas.microsoft.com/office/drawing/2014/main" id="{F96AD90E-5A63-F944-7F44-85F0D1B793DD}"/>
-              </a:ext>
-            </a:extLst>
-          </p:cNvPr>
-          <p:cNvSpPr txBox="1"/>
-          <p:nvPr/>
-        </p:nvSpPr>
-        <p:spPr>
-          <a:xfrm>
-            <a:off x="2055756" y="3864016"/>
-            <a:ext cx="4572000" cy="369332"/>
-          </a:xfrm>
-          <a:prstGeom prst="rect">
-            <a:avLst/>
-          </a:prstGeom>
-          <a:noFill/>
-        </p:spPr>
-        <p:txBody>
-          <a:bodyPr wrap="square">
-            <a:spAutoFit/>
-          </a:bodyPr>
-          <a:lstStyle/>
-          <a:p>
-            <a:r>
-              <a:rPr lang="en-US" altLang="ko-KR" sz="1800" dirty="0">
-                <a:solidFill>
-                  <a:srgbClr val="222222"/>
-                </a:solidFill>
-                <a:latin typeface="Arial Narrow" panose="020B0606020202030204" pitchFamily="34" charset="0"/>
-              </a:rPr>
-              <a:t>For solutions</a:t>
-            </a:r>
-            <a:endParaRPr lang="ko-KR" altLang="en-US" dirty="0"/>
-          </a:p>
-        </p:txBody>
-      </p:sp>
     </p:spTree>
     <p:extLst>
       <p:ext uri="{BB962C8B-B14F-4D97-AF65-F5344CB8AC3E}">
@@ -31966,7 +31887,25 @@
                 </a:solidFill>
                 <a:latin typeface="Arial Narrow" panose="020B0606020202030204" pitchFamily="34" charset="0"/>
               </a:rPr>
-              <a:t>The input dimension size: 2D</a:t>
+              <a:t>The input dimension size</a:t>
+            </a:r>
+            <a:r>
+              <a:rPr lang="en-US" altLang="ko-KR">
+                <a:solidFill>
+                  <a:srgbClr val="222222"/>
+                </a:solidFill>
+                <a:latin typeface="Arial Narrow" panose="020B0606020202030204" pitchFamily="34" charset="0"/>
+              </a:rPr>
+              <a:t>: 2D, 3D </a:t>
+            </a:r>
+            <a:r>
+              <a:rPr lang="en-US" altLang="ko-KR" dirty="0">
+                <a:solidFill>
+                  <a:srgbClr val="222222"/>
+                </a:solidFill>
+                <a:latin typeface="Arial Narrow" panose="020B0606020202030204" pitchFamily="34" charset="0"/>
+              </a:rPr>
+              <a:t>or 4D</a:t>
             </a:r>
           </a:p>
           <a:p>
@@ -32002,7 +31941,7 @@
                 </a:solidFill>
                 <a:latin typeface="Arial Narrow" panose="020B0606020202030204" pitchFamily="34" charset="0"/>
               </a:rPr>
-              <a:t>The number of feature maps (or filters): integer/2D</a:t>
+              <a:t>The number of feature maps (or filters): integer or 2D</a:t>
             </a:r>
           </a:p>
           <a:p>
@@ -47212,19 +47151,7 @@
               <a:rPr lang="en-US" altLang="ko-KR" dirty="0">
                 <a:latin typeface="Arial Narrow" panose="020B0606020202030204" pitchFamily="34" charset="0"/>
               </a:rPr>
-              <a:t>The CIFAR-10 dataset consists of 60000 32x32 </a:t>
-            </a:r>
-            <a:r>
-              <a:rPr lang="en-US" altLang="ko-KR" dirty="0" err="1">
-                <a:latin typeface="Arial Narrow" panose="020B0606020202030204" pitchFamily="34" charset="0"/>
-              </a:rPr>
-              <a:t>colour</a:t>
-            </a:r>
-            <a:r>
-              <a:rPr lang="en-US" altLang="ko-KR" dirty="0">
-                <a:latin typeface="Arial Narrow" panose="020B0606020202030204" pitchFamily="34" charset="0"/>
-              </a:rPr>
-              <a:t> images in 10 classes, with 6000 images per class. There are 50000 training images and 10000 test images.</a:t>
+              <a:t>The CIFAR-10 dataset consists of 60,000 32x32 color images in 10 classes, with 6,000 images per class. There are 50,000 training images and 10,000 test images.</a:t>
             </a:r>
           </a:p>
           <a:p>
@@ -47635,85 +47562,6 @@
                 <a:latin typeface="Arial Narrow" panose="020B0606020202030204" pitchFamily="34" charset="0"/>
               </a:rPr>
               <a:t>For students</a:t>
-            </a:r>
-            <a:endParaRPr lang="ko-KR" altLang="en-US" dirty="0"/>
-          </a:p>
-        </p:txBody>
-      </p:sp>
-      <p:sp>
-        <p:nvSpPr>
-          <p:cNvPr id="10" name="TextBox 9">
-            <a:extLst>
-              <a:ext uri="{FF2B5EF4-FFF2-40B4-BE49-F238E27FC236}">
-                <a16:creationId xmlns:a16="http://schemas.microsoft.com/office/drawing/2014/main" id="{0817E0D3-8915-D44F-8D88-C73C05F2FE22}"/>
-              </a:ext>
-            </a:extLst>
-          </p:cNvPr>
-          <p:cNvSpPr txBox="1"/>
-          <p:nvPr/>
-        </p:nvSpPr>
-        <p:spPr>
-          <a:xfrm>
-            <a:off x="2055756" y="4233348"/>
-            <a:ext cx="4853940" cy="923330"/>
-          </a:xfrm>
-          <a:prstGeom prst="rect">
-            <a:avLst/>
-          </a:prstGeom>
-          <a:noFill/>
-        </p:spPr>
-        <p:txBody>
-          <a:bodyPr wrap="square">
-            <a:spAutoFit/>
-          </a:bodyPr>
-          <a:lstStyle/>
-          <a:p>
-            <a:r>
-              <a:rPr lang="en-US" altLang="ko-KR" dirty="0">
-                <a:hlinkClick r:id="rId4"/>
-              </a:rPr>
-              <a:t>https://colab.research.google.com/github/JunetaeKim/DeepLearningClass/blob/main/Week12/ExerciseSolution.ipynb</a:t>
-            </a:r>
-            <a:endParaRPr lang="ko-KR" altLang="en-US" dirty="0"/>
-          </a:p>
-        </p:txBody>
-      </p:sp>
-      <p:sp>
-        <p:nvSpPr>
-          <p:cNvPr id="25" name="TextBox 24">
-            <a:extLst>
-              <a:ext uri="{FF2B5EF4-FFF2-40B4-BE49-F238E27FC236}">
-                <a16:creationId xmlns:a16="http://schemas.microsoft.com/office/drawing/2014/main" id="{F96AD90E-5A63-F944-7F44-85F0D1B793DD}"/>
-              </a:ext>
-            </a:extLst>
-          </p:cNvPr>
-          <p:cNvSpPr txBox="1"/>
-          <p:nvPr/>
-        </p:nvSpPr>
-        <p:spPr>
-          <a:xfrm>
-            <a:off x="2055756" y="3864016"/>
-            <a:ext cx="4572000" cy="369332"/>
-          </a:xfrm>
-          <a:prstGeom prst="rect">
-            <a:avLst/>
-          </a:prstGeom>
-          <a:noFill/>
-        </p:spPr>
-        <p:txBody>
-          <a:bodyPr wrap="square">
-            <a:spAutoFit/>
-          </a:bodyPr>
-          <a:lstStyle/>
-          <a:p>
-            <a:r>
-              <a:rPr lang="en-US" altLang="ko-KR" sz="1800" dirty="0">
-                <a:solidFill>
-                  <a:srgbClr val="222222"/>
-                </a:solidFill>
-                <a:latin typeface="Arial Narrow" panose="020B0606020202030204" pitchFamily="34" charset="0"/>
-              </a:rPr>
-              <a:t>For solutions</a:t>
             </a:r>
             <a:endParaRPr lang="ko-KR" altLang="en-US" dirty="0"/>
           </a:p>
